--- a/data/pygame project.pptx
+++ b/data/pygame project.pptx
@@ -112,6 +112,11 @@
       </a:defRPr>
     </a:lvl9pPr>
   </p:defaultTextStyle>
+  <p:extLst>
+    <p:ext uri="{EFAFB233-063F-42B5-8137-9DF3F51BA10A}">
+      <p15:sldGuideLst xmlns:p15="http://schemas.microsoft.com/office/powerpoint/2012/main"/>
+    </p:ext>
+  </p:extLst>
 </p:presentation>
 </file>
 
@@ -651,6 +656,30 @@
       </pc:sldMasterChg>
     </pc:docChg>
   </pc:docChgLst>
+  <pc:docChgLst>
+    <pc:chgData name="Алена, Забуселова" userId="e3011e63a7a7ab4b" providerId="LiveId" clId="{99E9AC64-9FAA-479A-9199-6C3362FEBBC3}"/>
+    <pc:docChg chg="modSld">
+      <pc:chgData name="Алена, Забуселова" userId="e3011e63a7a7ab4b" providerId="LiveId" clId="{99E9AC64-9FAA-479A-9199-6C3362FEBBC3}" dt="2022-01-28T20:27:37.657" v="2" actId="14100"/>
+      <pc:docMkLst>
+        <pc:docMk/>
+      </pc:docMkLst>
+      <pc:sldChg chg="modSp mod">
+        <pc:chgData name="Алена, Забуселова" userId="e3011e63a7a7ab4b" providerId="LiveId" clId="{99E9AC64-9FAA-479A-9199-6C3362FEBBC3}" dt="2022-01-28T20:27:37.657" v="2" actId="14100"/>
+        <pc:sldMkLst>
+          <pc:docMk/>
+          <pc:sldMk cId="1220134491" sldId="257"/>
+        </pc:sldMkLst>
+        <pc:spChg chg="mod">
+          <ac:chgData name="Алена, Забуселова" userId="e3011e63a7a7ab4b" providerId="LiveId" clId="{99E9AC64-9FAA-479A-9199-6C3362FEBBC3}" dt="2022-01-28T20:27:37.657" v="2" actId="14100"/>
+          <ac:spMkLst>
+            <pc:docMk/>
+            <pc:sldMk cId="1220134491" sldId="257"/>
+            <ac:spMk id="3" creationId="{473F67D0-2BF1-4897-9119-B42C1A3686A5}"/>
+          </ac:spMkLst>
+        </pc:spChg>
+      </pc:sldChg>
+    </pc:docChg>
+  </pc:docChgLst>
 </pc:chgInfo>
 </file>
 
@@ -6454,8 +6483,8 @@
         </p:nvSpPr>
         <p:spPr>
           <a:xfrm>
-            <a:off x="1584960" y="1432560"/>
-            <a:ext cx="9906000" cy="4196080"/>
+            <a:off x="1584960" y="1958340"/>
+            <a:ext cx="9906000" cy="3242310"/>
           </a:xfrm>
         </p:spPr>
         <p:txBody>
@@ -6525,24 +6554,6 @@
             <a:r>
               <a:rPr lang="ru-RU" sz="2400" dirty="0"/>
               <a:t>Спроектировать структуру игры, научиться это делать.</a:t>
-            </a:r>
-          </a:p>
-          <a:p>
-            <a:pPr marL="457200" indent="-457200" algn="l">
-              <a:buAutoNum type="arabicPeriod"/>
-            </a:pPr>
-            <a:r>
-              <a:rPr lang="ru-RU" sz="2400" dirty="0"/>
-              <a:t>Создать интересный пользовательский интерфейс.</a:t>
-            </a:r>
-          </a:p>
-          <a:p>
-            <a:pPr marL="457200" indent="-457200" algn="l">
-              <a:buAutoNum type="arabicPeriod"/>
-            </a:pPr>
-            <a:r>
-              <a:rPr lang="ru-RU" sz="2400" dirty="0"/>
-              <a:t>Придумать сюжет игры</a:t>
             </a:r>
           </a:p>
         </p:txBody>
